--- a/Angol/Learning-languages_SP_TO.pptx
+++ b/Angol/Learning-languages_SP_TO.pptx
@@ -5,13 +5,11 @@
     <p:sldMasterId id="2147483660" r:id="rId1"/>
   </p:sldMasterIdLst>
   <p:sldIdLst>
-    <p:sldId id="256" r:id="rId2"/>
-    <p:sldId id="257" r:id="rId3"/>
-    <p:sldId id="258" r:id="rId4"/>
-    <p:sldId id="259" r:id="rId5"/>
-    <p:sldId id="260" r:id="rId6"/>
-    <p:sldId id="261" r:id="rId7"/>
-    <p:sldId id="262" r:id="rId8"/>
+    <p:sldId id="257" r:id="rId2"/>
+    <p:sldId id="258" r:id="rId3"/>
+    <p:sldId id="259" r:id="rId4"/>
+    <p:sldId id="260" r:id="rId5"/>
+    <p:sldId id="261" r:id="rId6"/>
   </p:sldIdLst>
   <p:sldSz cx="12192000" cy="6858000"/>
   <p:notesSz cx="6858000" cy="9144000"/>
@@ -110,6 +108,11 @@
       </a:defRPr>
     </a:lvl9pPr>
   </p:defaultTextStyle>
+  <p:extLst>
+    <p:ext uri="{EFAFB233-063F-42B5-8137-9DF3F51BA10A}">
+      <p15:sldGuideLst xmlns:p15="http://schemas.microsoft.com/office/powerpoint/2012/main"/>
+    </p:ext>
+  </p:extLst>
 </p:presentation>
 </file>
 
@@ -299,7 +302,7 @@
           <a:p>
             <a:fld id="{E866AE21-2C7A-4D5A-8279-4E27D5BD280B}" type="datetimeFigureOut">
               <a:rPr lang="hu-HU" smtClean="0"/>
-              <a:t>2023. 12. 20.</a:t>
+              <a:t>2024. 06. 13.</a:t>
             </a:fld>
             <a:endParaRPr lang="hu-HU" dirty="0"/>
           </a:p>
@@ -574,7 +577,7 @@
           <a:p>
             <a:fld id="{E866AE21-2C7A-4D5A-8279-4E27D5BD280B}" type="datetimeFigureOut">
               <a:rPr lang="hu-HU" smtClean="0"/>
-              <a:t>2023. 12. 20.</a:t>
+              <a:t>2024. 06. 13.</a:t>
             </a:fld>
             <a:endParaRPr lang="hu-HU" dirty="0"/>
           </a:p>
@@ -768,7 +771,7 @@
           <a:p>
             <a:fld id="{E866AE21-2C7A-4D5A-8279-4E27D5BD280B}" type="datetimeFigureOut">
               <a:rPr lang="hu-HU" smtClean="0"/>
-              <a:t>2023. 12. 20.</a:t>
+              <a:t>2024. 06. 13.</a:t>
             </a:fld>
             <a:endParaRPr lang="hu-HU" dirty="0"/>
           </a:p>
@@ -1041,7 +1044,7 @@
           <a:p>
             <a:fld id="{E866AE21-2C7A-4D5A-8279-4E27D5BD280B}" type="datetimeFigureOut">
               <a:rPr lang="hu-HU" smtClean="0"/>
-              <a:t>2023. 12. 20.</a:t>
+              <a:t>2024. 06. 13.</a:t>
             </a:fld>
             <a:endParaRPr lang="hu-HU" dirty="0"/>
           </a:p>
@@ -1382,7 +1385,7 @@
           <a:p>
             <a:fld id="{E866AE21-2C7A-4D5A-8279-4E27D5BD280B}" type="datetimeFigureOut">
               <a:rPr lang="hu-HU" smtClean="0"/>
-              <a:t>2023. 12. 20.</a:t>
+              <a:t>2024. 06. 13.</a:t>
             </a:fld>
             <a:endParaRPr lang="hu-HU" dirty="0"/>
           </a:p>
@@ -2005,7 +2008,7 @@
           <a:p>
             <a:fld id="{E866AE21-2C7A-4D5A-8279-4E27D5BD280B}" type="datetimeFigureOut">
               <a:rPr lang="hu-HU" smtClean="0"/>
-              <a:t>2023. 12. 20.</a:t>
+              <a:t>2024. 06. 13.</a:t>
             </a:fld>
             <a:endParaRPr lang="hu-HU" dirty="0"/>
           </a:p>
@@ -2865,7 +2868,7 @@
           <a:p>
             <a:fld id="{E866AE21-2C7A-4D5A-8279-4E27D5BD280B}" type="datetimeFigureOut">
               <a:rPr lang="hu-HU" smtClean="0"/>
-              <a:t>2023. 12. 20.</a:t>
+              <a:t>2024. 06. 13.</a:t>
             </a:fld>
             <a:endParaRPr lang="hu-HU" dirty="0"/>
           </a:p>
@@ -3035,7 +3038,7 @@
           <a:p>
             <a:fld id="{E866AE21-2C7A-4D5A-8279-4E27D5BD280B}" type="datetimeFigureOut">
               <a:rPr lang="hu-HU" smtClean="0"/>
-              <a:t>2023. 12. 20.</a:t>
+              <a:t>2024. 06. 13.</a:t>
             </a:fld>
             <a:endParaRPr lang="hu-HU" dirty="0"/>
           </a:p>
@@ -3215,7 +3218,7 @@
           <a:p>
             <a:fld id="{E866AE21-2C7A-4D5A-8279-4E27D5BD280B}" type="datetimeFigureOut">
               <a:rPr lang="hu-HU" smtClean="0"/>
-              <a:t>2023. 12. 20.</a:t>
+              <a:t>2024. 06. 13.</a:t>
             </a:fld>
             <a:endParaRPr lang="hu-HU" dirty="0"/>
           </a:p>
@@ -3385,7 +3388,7 @@
           <a:p>
             <a:fld id="{E866AE21-2C7A-4D5A-8279-4E27D5BD280B}" type="datetimeFigureOut">
               <a:rPr lang="hu-HU" smtClean="0"/>
-              <a:t>2023. 12. 20.</a:t>
+              <a:t>2024. 06. 13.</a:t>
             </a:fld>
             <a:endParaRPr lang="hu-HU" dirty="0"/>
           </a:p>
@@ -3632,7 +3635,7 @@
           <a:p>
             <a:fld id="{E866AE21-2C7A-4D5A-8279-4E27D5BD280B}" type="datetimeFigureOut">
               <a:rPr lang="hu-HU" smtClean="0"/>
-              <a:t>2023. 12. 20.</a:t>
+              <a:t>2024. 06. 13.</a:t>
             </a:fld>
             <a:endParaRPr lang="hu-HU" dirty="0"/>
           </a:p>
@@ -3924,7 +3927,7 @@
           <a:p>
             <a:fld id="{E866AE21-2C7A-4D5A-8279-4E27D5BD280B}" type="datetimeFigureOut">
               <a:rPr lang="hu-HU" smtClean="0"/>
-              <a:t>2023. 12. 20.</a:t>
+              <a:t>2024. 06. 13.</a:t>
             </a:fld>
             <a:endParaRPr lang="hu-HU" dirty="0"/>
           </a:p>
@@ -4368,7 +4371,7 @@
           <a:p>
             <a:fld id="{E866AE21-2C7A-4D5A-8279-4E27D5BD280B}" type="datetimeFigureOut">
               <a:rPr lang="hu-HU" smtClean="0"/>
-              <a:t>2023. 12. 20.</a:t>
+              <a:t>2024. 06. 13.</a:t>
             </a:fld>
             <a:endParaRPr lang="hu-HU" dirty="0"/>
           </a:p>
@@ -4486,7 +4489,7 @@
           <a:p>
             <a:fld id="{E866AE21-2C7A-4D5A-8279-4E27D5BD280B}" type="datetimeFigureOut">
               <a:rPr lang="hu-HU" smtClean="0"/>
-              <a:t>2023. 12. 20.</a:t>
+              <a:t>2024. 06. 13.</a:t>
             </a:fld>
             <a:endParaRPr lang="hu-HU" dirty="0"/>
           </a:p>
@@ -4581,7 +4584,7 @@
           <a:p>
             <a:fld id="{E866AE21-2C7A-4D5A-8279-4E27D5BD280B}" type="datetimeFigureOut">
               <a:rPr lang="hu-HU" smtClean="0"/>
-              <a:t>2023. 12. 20.</a:t>
+              <a:t>2024. 06. 13.</a:t>
             </a:fld>
             <a:endParaRPr lang="hu-HU" dirty="0"/>
           </a:p>
@@ -4860,7 +4863,7 @@
           <a:p>
             <a:fld id="{E866AE21-2C7A-4D5A-8279-4E27D5BD280B}" type="datetimeFigureOut">
               <a:rPr lang="hu-HU" smtClean="0"/>
-              <a:t>2023. 12. 20.</a:t>
+              <a:t>2024. 06. 13.</a:t>
             </a:fld>
             <a:endParaRPr lang="hu-HU" dirty="0"/>
           </a:p>
@@ -5135,7 +5138,7 @@
           <a:p>
             <a:fld id="{E866AE21-2C7A-4D5A-8279-4E27D5BD280B}" type="datetimeFigureOut">
               <a:rPr lang="hu-HU" smtClean="0"/>
-              <a:t>2023. 12. 20.</a:t>
+              <a:t>2024. 06. 13.</a:t>
             </a:fld>
             <a:endParaRPr lang="hu-HU" dirty="0"/>
           </a:p>
@@ -5564,7 +5567,7 @@
           <a:p>
             <a:fld id="{E866AE21-2C7A-4D5A-8279-4E27D5BD280B}" type="datetimeFigureOut">
               <a:rPr lang="hu-HU" smtClean="0"/>
-              <a:t>2023. 12. 20.</a:t>
+              <a:t>2024. 06. 13.</a:t>
             </a:fld>
             <a:endParaRPr lang="hu-HU" dirty="0"/>
           </a:p>
@@ -6078,113 +6081,6 @@
 <file path=ppt/slides/slide1.xml><?xml version="1.0" encoding="utf-8"?>
 <p:sld xmlns:a="http://schemas.openxmlformats.org/drawingml/2006/main" xmlns:r="http://schemas.openxmlformats.org/officeDocument/2006/relationships" xmlns:p="http://schemas.openxmlformats.org/presentationml/2006/main">
   <p:cSld>
-    <p:spTree>
-      <p:nvGrpSpPr>
-        <p:cNvPr id="1" name=""/>
-        <p:cNvGrpSpPr/>
-        <p:nvPr/>
-      </p:nvGrpSpPr>
-      <p:grpSpPr>
-        <a:xfrm>
-          <a:off x="0" y="0"/>
-          <a:ext cx="0" cy="0"/>
-          <a:chOff x="0" y="0"/>
-          <a:chExt cx="0" cy="0"/>
-        </a:xfrm>
-      </p:grpSpPr>
-      <p:sp>
-        <p:nvSpPr>
-          <p:cNvPr id="2" name="Cím 1">
-            <a:extLst>
-              <a:ext uri="{FF2B5EF4-FFF2-40B4-BE49-F238E27FC236}">
-                <a16:creationId xmlns:a16="http://schemas.microsoft.com/office/drawing/2014/main" id="{57437E65-5716-FE95-1EBE-9C208D9940A0}"/>
-              </a:ext>
-            </a:extLst>
-          </p:cNvPr>
-          <p:cNvSpPr>
-            <a:spLocks noGrp="1"/>
-          </p:cNvSpPr>
-          <p:nvPr>
-            <p:ph type="ctrTitle"/>
-          </p:nvPr>
-        </p:nvSpPr>
-        <p:spPr/>
-        <p:txBody>
-          <a:bodyPr/>
-          <a:lstStyle/>
-          <a:p>
-            <a:r>
-              <a:rPr lang="en-US" dirty="0"/>
-              <a:t>Learning</a:t>
-            </a:r>
-            <a:r>
-              <a:rPr lang="hu-HU" dirty="0"/>
-              <a:t> </a:t>
-            </a:r>
-            <a:r>
-              <a:rPr lang="en-US" dirty="0"/>
-              <a:t>languages</a:t>
-            </a:r>
-          </a:p>
-        </p:txBody>
-      </p:sp>
-      <p:sp>
-        <p:nvSpPr>
-          <p:cNvPr id="3" name="Alcím 2">
-            <a:extLst>
-              <a:ext uri="{FF2B5EF4-FFF2-40B4-BE49-F238E27FC236}">
-                <a16:creationId xmlns:a16="http://schemas.microsoft.com/office/drawing/2014/main" id="{BA3F853A-2F94-BDE3-A312-A8E66A63B0DD}"/>
-              </a:ext>
-            </a:extLst>
-          </p:cNvPr>
-          <p:cNvSpPr>
-            <a:spLocks noGrp="1"/>
-          </p:cNvSpPr>
-          <p:nvPr>
-            <p:ph type="subTitle" idx="1"/>
-          </p:nvPr>
-        </p:nvSpPr>
-        <p:spPr/>
-        <p:txBody>
-          <a:bodyPr/>
-          <a:lstStyle/>
-          <a:p>
-            <a:r>
-              <a:rPr lang="hu-HU" dirty="0"/>
-              <a:t>Surin </a:t>
-            </a:r>
-            <a:r>
-              <a:rPr lang="hu-HU" dirty="0" err="1"/>
-              <a:t>patrik</a:t>
-            </a:r>
-            <a:r>
-              <a:rPr lang="hu-HU" dirty="0"/>
-              <a:t>, tószögi </a:t>
-            </a:r>
-            <a:r>
-              <a:rPr lang="hu-HU" dirty="0" err="1"/>
-              <a:t>olivér</a:t>
-            </a:r>
-            <a:endParaRPr lang="hu-HU" dirty="0"/>
-          </a:p>
-        </p:txBody>
-      </p:sp>
-    </p:spTree>
-    <p:extLst>
-      <p:ext uri="{BB962C8B-B14F-4D97-AF65-F5344CB8AC3E}">
-        <p14:creationId xmlns:p14="http://schemas.microsoft.com/office/powerpoint/2010/main" val="114392599"/>
-      </p:ext>
-    </p:extLst>
-  </p:cSld>
-  <p:clrMapOvr>
-    <a:masterClrMapping/>
-  </p:clrMapOvr>
-</p:sld>
-</file>
-
-<file path=ppt/slides/slide2.xml><?xml version="1.0" encoding="utf-8"?>
-<p:sld xmlns:a="http://schemas.openxmlformats.org/drawingml/2006/main" xmlns:r="http://schemas.openxmlformats.org/officeDocument/2006/relationships" xmlns:p="http://schemas.openxmlformats.org/presentationml/2006/main">
-  <p:cSld>
     <p:bg>
       <p:bgPr>
         <a:blipFill rotWithShape="1">
@@ -6383,27 +6279,186 @@
           <a:lstStyle/>
           <a:p>
             <a:r>
-              <a:rPr lang="hu-HU"/>
-              <a:t>Watch films or series in foreign language</a:t>
-            </a:r>
-          </a:p>
-          <a:p>
-            <a:r>
-              <a:rPr lang="hu-HU"/>
-              <a:t>If you can afford you should travel in foreign countries</a:t>
-            </a:r>
-          </a:p>
-          <a:p>
-            <a:r>
-              <a:rPr lang="hu-HU"/>
-              <a:t>There are lot of courses online</a:t>
-            </a:r>
-          </a:p>
-          <a:p>
-            <a:r>
-              <a:rPr lang="hu-HU"/>
-              <a:t>Play video games with strangers</a:t>
-            </a:r>
+              <a:rPr lang="hu-HU" dirty="0" err="1"/>
+              <a:t>Watch</a:t>
+            </a:r>
+            <a:r>
+              <a:rPr lang="hu-HU" dirty="0"/>
+              <a:t> </a:t>
+            </a:r>
+            <a:r>
+              <a:rPr lang="hu-HU" dirty="0" err="1"/>
+              <a:t>films</a:t>
+            </a:r>
+            <a:r>
+              <a:rPr lang="hu-HU" dirty="0"/>
+              <a:t> </a:t>
+            </a:r>
+            <a:r>
+              <a:rPr lang="hu-HU" dirty="0" err="1"/>
+              <a:t>or</a:t>
+            </a:r>
+            <a:r>
+              <a:rPr lang="hu-HU" dirty="0"/>
+              <a:t> </a:t>
+            </a:r>
+            <a:r>
+              <a:rPr lang="hu-HU" dirty="0" err="1"/>
+              <a:t>series</a:t>
+            </a:r>
+            <a:r>
+              <a:rPr lang="hu-HU" dirty="0"/>
+              <a:t> in </a:t>
+            </a:r>
+            <a:r>
+              <a:rPr lang="hu-HU" dirty="0" err="1"/>
+              <a:t>foreign</a:t>
+            </a:r>
+            <a:r>
+              <a:rPr lang="hu-HU" dirty="0"/>
+              <a:t> </a:t>
+            </a:r>
+            <a:r>
+              <a:rPr lang="hu-HU" dirty="0" err="1"/>
+              <a:t>language</a:t>
+            </a:r>
+            <a:r>
+              <a:rPr lang="en-GB" dirty="0"/>
+              <a:t>s</a:t>
+            </a:r>
+            <a:endParaRPr lang="hu-HU" dirty="0"/>
+          </a:p>
+          <a:p>
+            <a:r>
+              <a:rPr lang="hu-HU" dirty="0" err="1"/>
+              <a:t>If</a:t>
+            </a:r>
+            <a:r>
+              <a:rPr lang="hu-HU" dirty="0"/>
+              <a:t> </a:t>
+            </a:r>
+            <a:r>
+              <a:rPr lang="hu-HU" dirty="0" err="1"/>
+              <a:t>you</a:t>
+            </a:r>
+            <a:r>
+              <a:rPr lang="hu-HU" dirty="0"/>
+              <a:t> </a:t>
+            </a:r>
+            <a:r>
+              <a:rPr lang="hu-HU" dirty="0" err="1"/>
+              <a:t>can</a:t>
+            </a:r>
+            <a:r>
+              <a:rPr lang="hu-HU" dirty="0"/>
+              <a:t> </a:t>
+            </a:r>
+            <a:r>
+              <a:rPr lang="hu-HU" dirty="0" err="1"/>
+              <a:t>afford</a:t>
+            </a:r>
+            <a:r>
+              <a:rPr lang="hu-HU" dirty="0"/>
+              <a:t> </a:t>
+            </a:r>
+            <a:r>
+              <a:rPr lang="hu-HU" dirty="0" err="1"/>
+              <a:t>you</a:t>
+            </a:r>
+            <a:r>
+              <a:rPr lang="hu-HU" dirty="0"/>
+              <a:t> </a:t>
+            </a:r>
+            <a:r>
+              <a:rPr lang="hu-HU" dirty="0" err="1"/>
+              <a:t>should</a:t>
+            </a:r>
+            <a:r>
+              <a:rPr lang="hu-HU" dirty="0"/>
+              <a:t> </a:t>
+            </a:r>
+            <a:r>
+              <a:rPr lang="hu-HU" dirty="0" err="1"/>
+              <a:t>travel</a:t>
+            </a:r>
+            <a:r>
+              <a:rPr lang="hu-HU" dirty="0"/>
+              <a:t> in </a:t>
+            </a:r>
+            <a:r>
+              <a:rPr lang="hu-HU" dirty="0" err="1"/>
+              <a:t>foreign</a:t>
+            </a:r>
+            <a:r>
+              <a:rPr lang="hu-HU" dirty="0"/>
+              <a:t> </a:t>
+            </a:r>
+            <a:r>
+              <a:rPr lang="hu-HU" dirty="0" err="1"/>
+              <a:t>countries</a:t>
+            </a:r>
+            <a:endParaRPr lang="hu-HU" dirty="0"/>
+          </a:p>
+          <a:p>
+            <a:r>
+              <a:rPr lang="hu-HU" dirty="0" err="1"/>
+              <a:t>There</a:t>
+            </a:r>
+            <a:r>
+              <a:rPr lang="hu-HU" dirty="0"/>
+              <a:t> </a:t>
+            </a:r>
+            <a:r>
+              <a:rPr lang="hu-HU" dirty="0" err="1"/>
+              <a:t>are</a:t>
+            </a:r>
+            <a:r>
+              <a:rPr lang="hu-HU" dirty="0"/>
+              <a:t> </a:t>
+            </a:r>
+            <a:r>
+              <a:rPr lang="hu-HU" dirty="0" err="1"/>
+              <a:t>lot</a:t>
+            </a:r>
+            <a:r>
+              <a:rPr lang="hu-HU" dirty="0"/>
+              <a:t> of </a:t>
+            </a:r>
+            <a:r>
+              <a:rPr lang="hu-HU" dirty="0" err="1"/>
+              <a:t>courses</a:t>
+            </a:r>
+            <a:r>
+              <a:rPr lang="hu-HU" dirty="0"/>
+              <a:t> online</a:t>
+            </a:r>
+          </a:p>
+          <a:p>
+            <a:r>
+              <a:rPr lang="hu-HU" dirty="0"/>
+              <a:t>Play video </a:t>
+            </a:r>
+            <a:r>
+              <a:rPr lang="hu-HU" dirty="0" err="1"/>
+              <a:t>games</a:t>
+            </a:r>
+            <a:r>
+              <a:rPr lang="hu-HU" dirty="0"/>
+              <a:t> </a:t>
+            </a:r>
+            <a:r>
+              <a:rPr lang="hu-HU" dirty="0" err="1"/>
+              <a:t>with</a:t>
+            </a:r>
+            <a:r>
+              <a:rPr lang="hu-HU" dirty="0"/>
+              <a:t> </a:t>
+            </a:r>
+            <a:r>
+              <a:rPr lang="hu-HU" dirty="0" err="1"/>
+              <a:t>strangers</a:t>
+            </a:r>
+            <a:endParaRPr lang="hu-HU" dirty="0"/>
           </a:p>
         </p:txBody>
       </p:sp>
@@ -6472,7 +6527,7 @@
 </p:sld>
 </file>
 
-<file path=ppt/slides/slide3.xml><?xml version="1.0" encoding="utf-8"?>
+<file path=ppt/slides/slide2.xml><?xml version="1.0" encoding="utf-8"?>
 <p:sld xmlns:a="http://schemas.openxmlformats.org/drawingml/2006/main" xmlns:r="http://schemas.openxmlformats.org/officeDocument/2006/relationships" xmlns:p="http://schemas.openxmlformats.org/presentationml/2006/main">
   <p:cSld>
     <p:bg>
@@ -6616,8 +6671,12 @@
           </a:p>
           <a:p>
             <a:r>
+              <a:rPr lang="en-GB" dirty="0"/>
+              <a:t>O</a:t>
+            </a:r>
+            <a:r>
               <a:rPr lang="hu-HU" dirty="0" err="1"/>
-              <a:t>orientation</a:t>
+              <a:t>rientation</a:t>
             </a:r>
             <a:endParaRPr lang="hu-HU" dirty="0"/>
           </a:p>
@@ -6692,7 +6751,7 @@
 </p:sld>
 </file>
 
-<file path=ppt/slides/slide4.xml><?xml version="1.0" encoding="utf-8"?>
+<file path=ppt/slides/slide3.xml><?xml version="1.0" encoding="utf-8"?>
 <p:sld xmlns:a="http://schemas.openxmlformats.org/drawingml/2006/main" xmlns:r="http://schemas.openxmlformats.org/officeDocument/2006/relationships" xmlns:p="http://schemas.openxmlformats.org/presentationml/2006/main">
   <p:cSld>
     <p:bg>
@@ -6901,7 +6960,7 @@
 </p:sld>
 </file>
 
-<file path=ppt/slides/slide5.xml><?xml version="1.0" encoding="utf-8"?>
+<file path=ppt/slides/slide4.xml><?xml version="1.0" encoding="utf-8"?>
 <p:sld xmlns:a="http://schemas.openxmlformats.org/drawingml/2006/main" xmlns:r="http://schemas.openxmlformats.org/officeDocument/2006/relationships" xmlns:p="http://schemas.openxmlformats.org/presentationml/2006/main">
   <p:cSld>
     <p:bg>
@@ -7099,7 +7158,7 @@
 </p:sld>
 </file>
 
-<file path=ppt/slides/slide6.xml><?xml version="1.0" encoding="utf-8"?>
+<file path=ppt/slides/slide5.xml><?xml version="1.0" encoding="utf-8"?>
 <p:sld xmlns:a="http://schemas.openxmlformats.org/drawingml/2006/main" xmlns:r="http://schemas.openxmlformats.org/officeDocument/2006/relationships" xmlns:p="http://schemas.openxmlformats.org/presentationml/2006/main">
   <p:cSld>
     <p:bg>
@@ -7296,183 +7355,6 @@
     <p:extLst>
       <p:ext uri="{BB962C8B-B14F-4D97-AF65-F5344CB8AC3E}">
         <p14:creationId xmlns:p14="http://schemas.microsoft.com/office/powerpoint/2010/main" val="3944194605"/>
-      </p:ext>
-    </p:extLst>
-  </p:cSld>
-  <p:clrMapOvr>
-    <a:masterClrMapping/>
-  </p:clrMapOvr>
-</p:sld>
-</file>
-
-<file path=ppt/slides/slide7.xml><?xml version="1.0" encoding="utf-8"?>
-<p:sld xmlns:a="http://schemas.openxmlformats.org/drawingml/2006/main" xmlns:r="http://schemas.openxmlformats.org/officeDocument/2006/relationships" xmlns:p="http://schemas.openxmlformats.org/presentationml/2006/main">
-  <p:cSld>
-    <p:bg>
-      <p:bgPr>
-        <a:blipFill rotWithShape="1">
-          <a:blip r:embed="rId2">
-            <a:duotone>
-              <a:schemeClr val="bg2">
-                <a:shade val="69000"/>
-                <a:hueMod val="108000"/>
-                <a:satMod val="164000"/>
-                <a:lumMod val="74000"/>
-              </a:schemeClr>
-              <a:schemeClr val="bg2">
-                <a:tint val="96000"/>
-                <a:hueMod val="88000"/>
-                <a:satMod val="140000"/>
-                <a:lumMod val="132000"/>
-              </a:schemeClr>
-            </a:duotone>
-          </a:blip>
-          <a:stretch/>
-        </a:blipFill>
-        <a:effectLst/>
-      </p:bgPr>
-    </p:bg>
-    <p:spTree>
-      <p:nvGrpSpPr>
-        <p:cNvPr id="1" name=""/>
-        <p:cNvGrpSpPr/>
-        <p:nvPr/>
-      </p:nvGrpSpPr>
-      <p:grpSpPr>
-        <a:xfrm>
-          <a:off x="0" y="0"/>
-          <a:ext cx="0" cy="0"/>
-          <a:chOff x="0" y="0"/>
-          <a:chExt cx="0" cy="0"/>
-        </a:xfrm>
-      </p:grpSpPr>
-      <p:sp>
-        <p:nvSpPr>
-          <p:cNvPr id="2" name="Cím 1">
-            <a:extLst>
-              <a:ext uri="{FF2B5EF4-FFF2-40B4-BE49-F238E27FC236}">
-                <a16:creationId xmlns:a16="http://schemas.microsoft.com/office/drawing/2014/main" id="{EAD46C59-10E6-6957-AC56-BB3D03749864}"/>
-              </a:ext>
-            </a:extLst>
-          </p:cNvPr>
-          <p:cNvSpPr>
-            <a:spLocks noGrp="1"/>
-          </p:cNvSpPr>
-          <p:nvPr>
-            <p:ph type="title"/>
-          </p:nvPr>
-        </p:nvSpPr>
-        <p:spPr>
-          <a:xfrm>
-            <a:off x="648930" y="629266"/>
-            <a:ext cx="9252154" cy="1223983"/>
-          </a:xfrm>
-        </p:spPr>
-        <p:txBody>
-          <a:bodyPr>
-            <a:normAutofit/>
-          </a:bodyPr>
-          <a:lstStyle/>
-          <a:p>
-            <a:r>
-              <a:rPr lang="hu-HU" dirty="0" err="1"/>
-              <a:t>Thank</a:t>
-            </a:r>
-            <a:r>
-              <a:rPr lang="hu-HU" dirty="0"/>
-              <a:t> </a:t>
-            </a:r>
-            <a:r>
-              <a:rPr lang="hu-HU" dirty="0" err="1"/>
-              <a:t>you</a:t>
-            </a:r>
-            <a:r>
-              <a:rPr lang="hu-HU" dirty="0"/>
-              <a:t> </a:t>
-            </a:r>
-            <a:r>
-              <a:rPr lang="hu-HU" dirty="0" err="1"/>
-              <a:t>for</a:t>
-            </a:r>
-            <a:r>
-              <a:rPr lang="hu-HU" dirty="0"/>
-              <a:t> </a:t>
-            </a:r>
-            <a:r>
-              <a:rPr lang="hu-HU" dirty="0" err="1"/>
-              <a:t>your</a:t>
-            </a:r>
-            <a:r>
-              <a:rPr lang="hu-HU" dirty="0"/>
-              <a:t> </a:t>
-            </a:r>
-            <a:r>
-              <a:rPr lang="hu-HU" dirty="0" err="1"/>
-              <a:t>attention</a:t>
-            </a:r>
-            <a:r>
-              <a:rPr lang="hu-HU" dirty="0"/>
-              <a:t>!</a:t>
-            </a:r>
-          </a:p>
-        </p:txBody>
-      </p:sp>
-      <p:pic>
-        <p:nvPicPr>
-          <p:cNvPr id="6146" name="Picture 2" descr="How To Teach A Foreign Language: 3 Creative Ways Of Teaching">
-            <a:extLst>
-              <a:ext uri="{FF2B5EF4-FFF2-40B4-BE49-F238E27FC236}">
-                <a16:creationId xmlns:a16="http://schemas.microsoft.com/office/drawing/2014/main" id="{65585486-221D-4AC0-E261-3D1B63F1856A}"/>
-              </a:ext>
-            </a:extLst>
-          </p:cNvPr>
-          <p:cNvPicPr>
-            <a:picLocks noChangeAspect="1" noChangeArrowheads="1"/>
-          </p:cNvPicPr>
-          <p:nvPr/>
-        </p:nvPicPr>
-        <p:blipFill rotWithShape="1">
-          <a:blip r:embed="rId3">
-            <a:extLst>
-              <a:ext uri="{28A0092B-C50C-407E-A947-70E740481C1C}">
-                <a14:useLocalDpi xmlns:a14="http://schemas.microsoft.com/office/drawing/2010/main" val="0"/>
-              </a:ext>
-            </a:extLst>
-          </a:blip>
-          <a:srcRect l="8622" r="7579" b="-2"/>
-          <a:stretch/>
-        </p:blipFill>
-        <p:spPr bwMode="auto">
-          <a:xfrm>
-            <a:off x="2202668" y="2072173"/>
-            <a:ext cx="5451627" cy="4196185"/>
-          </a:xfrm>
-          <a:prstGeom prst="rect">
-            <a:avLst/>
-          </a:prstGeom>
-          <a:noFill/>
-          <a:effectLst>
-            <a:outerShdw blurRad="50800" dist="38100" dir="5400000" algn="t" rotWithShape="0">
-              <a:prstClr val="black">
-                <a:alpha val="43000"/>
-              </a:prstClr>
-            </a:outerShdw>
-          </a:effectLst>
-          <a:extLst>
-            <a:ext uri="{909E8E84-426E-40DD-AFC4-6F175D3DCCD1}">
-              <a14:hiddenFill xmlns:a14="http://schemas.microsoft.com/office/drawing/2010/main">
-                <a:solidFill>
-                  <a:srgbClr val="FFFFFF"/>
-                </a:solidFill>
-              </a14:hiddenFill>
-            </a:ext>
-          </a:extLst>
-        </p:spPr>
-      </p:pic>
-    </p:spTree>
-    <p:extLst>
-      <p:ext uri="{BB962C8B-B14F-4D97-AF65-F5344CB8AC3E}">
-        <p14:creationId xmlns:p14="http://schemas.microsoft.com/office/powerpoint/2010/main" val="1501237265"/>
       </p:ext>
     </p:extLst>
   </p:cSld>
